--- a/p4.pptx
+++ b/p4.pptx
@@ -10743,7 +10743,7 @@
         </p:nvSpPr>
         <p:spPr>
           <a:xfrm>
-            <a:off x="838200" y="2261392"/>
+            <a:off x="681855" y="2261392"/>
             <a:ext cx="4152932" cy="369332"/>
           </a:xfrm>
           <a:prstGeom prst="rect">
